--- a/Later/Date_classical/Timestamp/1/java.sql.Timestamp.pptx
+++ b/Later/Date_classical/Timestamp/1/java.sql.Timestamp.pptx
@@ -193,7 +193,7 @@
           <a:p>
             <a:fld id="{62274EC6-3890-417B-9308-14EFBD00FA63}" type="datetimeFigureOut">
               <a:rPr lang="en-US" smtClean="0"/>
-              <a:t>1/23/2018</a:t>
+              <a:t>1/30/2018</a:t>
             </a:fld>
             <a:endParaRPr lang="en-US" dirty="0"/>
           </a:p>
@@ -821,7 +821,7 @@
             <a:fld id="{1D8BD707-D9CF-40AE-B4C6-C98DA3205C09}" type="datetimeFigureOut">
               <a:rPr lang="en-US" smtClean="0"/>
               <a:pPr/>
-              <a:t>1/23/2018</a:t>
+              <a:t>1/30/2018</a:t>
             </a:fld>
             <a:endParaRPr lang="en-US" dirty="0"/>
           </a:p>
@@ -993,7 +993,7 @@
             <a:fld id="{1D8BD707-D9CF-40AE-B4C6-C98DA3205C09}" type="datetimeFigureOut">
               <a:rPr lang="en-US" smtClean="0"/>
               <a:pPr/>
-              <a:t>1/23/2018</a:t>
+              <a:t>1/30/2018</a:t>
             </a:fld>
             <a:endParaRPr lang="en-US" dirty="0"/>
           </a:p>
@@ -1175,7 +1175,7 @@
             <a:fld id="{1D8BD707-D9CF-40AE-B4C6-C98DA3205C09}" type="datetimeFigureOut">
               <a:rPr lang="en-US" smtClean="0"/>
               <a:pPr/>
-              <a:t>1/23/2018</a:t>
+              <a:t>1/30/2018</a:t>
             </a:fld>
             <a:endParaRPr lang="en-US" dirty="0"/>
           </a:p>
@@ -1347,7 +1347,7 @@
             <a:fld id="{1D8BD707-D9CF-40AE-B4C6-C98DA3205C09}" type="datetimeFigureOut">
               <a:rPr lang="en-US" smtClean="0"/>
               <a:pPr/>
-              <a:t>1/23/2018</a:t>
+              <a:t>1/30/2018</a:t>
             </a:fld>
             <a:endParaRPr lang="en-US" dirty="0"/>
           </a:p>
@@ -1595,7 +1595,7 @@
             <a:fld id="{1D8BD707-D9CF-40AE-B4C6-C98DA3205C09}" type="datetimeFigureOut">
               <a:rPr lang="en-US" smtClean="0"/>
               <a:pPr/>
-              <a:t>1/23/2018</a:t>
+              <a:t>1/30/2018</a:t>
             </a:fld>
             <a:endParaRPr lang="en-US" dirty="0"/>
           </a:p>
@@ -1885,7 +1885,7 @@
             <a:fld id="{1D8BD707-D9CF-40AE-B4C6-C98DA3205C09}" type="datetimeFigureOut">
               <a:rPr lang="en-US" smtClean="0"/>
               <a:pPr/>
-              <a:t>1/23/2018</a:t>
+              <a:t>1/30/2018</a:t>
             </a:fld>
             <a:endParaRPr lang="en-US" dirty="0"/>
           </a:p>
@@ -2314,7 +2314,7 @@
             <a:fld id="{1D8BD707-D9CF-40AE-B4C6-C98DA3205C09}" type="datetimeFigureOut">
               <a:rPr lang="en-US" smtClean="0"/>
               <a:pPr/>
-              <a:t>1/23/2018</a:t>
+              <a:t>1/30/2018</a:t>
             </a:fld>
             <a:endParaRPr lang="en-US" dirty="0"/>
           </a:p>
@@ -2434,7 +2434,7 @@
             <a:fld id="{1D8BD707-D9CF-40AE-B4C6-C98DA3205C09}" type="datetimeFigureOut">
               <a:rPr lang="en-US" smtClean="0"/>
               <a:pPr/>
-              <a:t>1/23/2018</a:t>
+              <a:t>1/30/2018</a:t>
             </a:fld>
             <a:endParaRPr lang="en-US" dirty="0"/>
           </a:p>
@@ -2531,7 +2531,7 @@
             <a:fld id="{1D8BD707-D9CF-40AE-B4C6-C98DA3205C09}" type="datetimeFigureOut">
               <a:rPr lang="en-US" smtClean="0"/>
               <a:pPr/>
-              <a:t>1/23/2018</a:t>
+              <a:t>1/30/2018</a:t>
             </a:fld>
             <a:endParaRPr lang="en-US" dirty="0"/>
           </a:p>
@@ -2810,7 +2810,7 @@
             <a:fld id="{1D8BD707-D9CF-40AE-B4C6-C98DA3205C09}" type="datetimeFigureOut">
               <a:rPr lang="en-US" smtClean="0"/>
               <a:pPr/>
-              <a:t>1/23/2018</a:t>
+              <a:t>1/30/2018</a:t>
             </a:fld>
             <a:endParaRPr lang="en-US" dirty="0"/>
           </a:p>
@@ -3065,7 +3065,7 @@
             <a:fld id="{1D8BD707-D9CF-40AE-B4C6-C98DA3205C09}" type="datetimeFigureOut">
               <a:rPr lang="en-US" smtClean="0"/>
               <a:pPr/>
-              <a:t>1/23/2018</a:t>
+              <a:t>1/30/2018</a:t>
             </a:fld>
             <a:endParaRPr lang="en-US" dirty="0"/>
           </a:p>
@@ -3280,7 +3280,7 @@
             <a:fld id="{1D8BD707-D9CF-40AE-B4C6-C98DA3205C09}" type="datetimeFigureOut">
               <a:rPr lang="en-US" smtClean="0"/>
               <a:pPr/>
-              <a:t>1/23/2018</a:t>
+              <a:t>1/30/2018</a:t>
             </a:fld>
             <a:endParaRPr lang="en-US" dirty="0"/>
           </a:p>
@@ -3783,16 +3783,8 @@
           <a:p>
             <a:pPr algn="ctr"/>
             <a:r>
-              <a:rPr lang="en-US" sz="1200" dirty="0" smtClean="0"/>
-              <a:t>java.util.</a:t>
-            </a:r>
-            <a:r>
-              <a:rPr lang="en-US" sz="1200" dirty="0"/>
-              <a:t> </a:t>
-            </a:r>
-            <a:r>
-              <a:rPr lang="en-US" sz="1200" dirty="0" smtClean="0"/>
-              <a:t>Timestamp</a:t>
+              <a:rPr lang="en-US" sz="1200" dirty="0" err="1"/>
+              <a:t>java.sql.Timestamp</a:t>
             </a:r>
             <a:endParaRPr lang="en-US" sz="1200" dirty="0"/>
           </a:p>
@@ -3920,15 +3912,7 @@
             </a:pPr>
             <a:r>
               <a:rPr lang="en-US" sz="1200" dirty="0"/>
-              <a:t>A thin wrapper around </a:t>
-            </a:r>
-            <a:r>
-              <a:rPr lang="en-US" sz="1200" dirty="0"/>
-              <a:t>java.util.Date</a:t>
-            </a:r>
-            <a:r>
-              <a:rPr lang="en-US" sz="1200" dirty="0"/>
-              <a:t> that allows the JDBC API to identify this as an </a:t>
+              <a:t>A thin wrapper around java.util.Date that allows the JDBC API to identify this as an </a:t>
             </a:r>
             <a:r>
               <a:rPr lang="en-US" sz="1200" dirty="0">
@@ -3936,27 +3920,11 @@
                   <a:srgbClr val="FF0000"/>
                 </a:solidFill>
               </a:rPr>
-              <a:t>SQL </a:t>
-            </a:r>
-            <a:r>
-              <a:rPr lang="en-US" sz="1200" dirty="0">
-                <a:solidFill>
-                  <a:srgbClr val="FF0000"/>
-                </a:solidFill>
-              </a:rPr>
-              <a:t>TIMESTAMP</a:t>
+              <a:t>SQL TIMESTAMP</a:t>
             </a:r>
             <a:r>
               <a:rPr lang="en-US" sz="1200" dirty="0"/>
-              <a:t> value. It adds the ability to hold the SQL </a:t>
-            </a:r>
-            <a:r>
-              <a:rPr lang="en-US" sz="1200" dirty="0"/>
-              <a:t>TIMESTAMP</a:t>
-            </a:r>
-            <a:r>
-              <a:rPr lang="en-US" sz="1200" dirty="0"/>
-              <a:t> fractional seconds value, by allowing the specification of fractional seconds to a precision of nanoseconds. </a:t>
+              <a:t> value. It adds the ability to hold the SQL TIMESTAMP fractional seconds value, by allowing the specification of fractional seconds to a precision of nanoseconds. </a:t>
             </a:r>
             <a:endParaRPr lang="en-US" sz="1200" dirty="0" smtClean="0"/>
           </a:p>
@@ -3980,7 +3948,6 @@
               <a:rPr lang="en-US" sz="1200" dirty="0"/>
               <a:t>Timestamp also provides formatting and parsing operations to support the JDBC escape syntax for timestamp values.</a:t>
             </a:r>
-            <a:endParaRPr lang="en-US" sz="1200" dirty="0"/>
           </a:p>
         </p:txBody>
       </p:sp>
